--- a/Programming 4/11.2 Intro to Python/More Python.pptx
+++ b/Programming 4/11.2 Intro to Python/More Python.pptx
@@ -5,7 +5,7 @@
     <p:sldMasterId id="2147483648" r:id="rId1"/>
   </p:sldMasterIdLst>
   <p:notesMasterIdLst>
-    <p:notesMasterId r:id="rId14"/>
+    <p:notesMasterId r:id="rId13"/>
   </p:notesMasterIdLst>
   <p:sldIdLst>
     <p:sldId id="256" r:id="rId2"/>
@@ -19,7 +19,6 @@
     <p:sldId id="265" r:id="rId10"/>
     <p:sldId id="266" r:id="rId11"/>
     <p:sldId id="267" r:id="rId12"/>
-    <p:sldId id="268" r:id="rId13"/>
   </p:sldIdLst>
   <p:sldSz cx="12192000" cy="6858000"/>
   <p:notesSz cx="6858000" cy="9144000"/>
@@ -219,7 +218,7 @@
           <a:p>
             <a:fld id="{5C15C721-1CBE-9B49-BE99-3A9DF18FA391}" type="datetimeFigureOut">
               <a:rPr lang="en-US" smtClean="0"/>
-              <a:t>5/17/19</a:t>
+              <a:t>10/22/2019</a:t>
             </a:fld>
             <a:endParaRPr lang="en-US"/>
           </a:p>
@@ -789,115 +788,6 @@
 </p:notes>
 </file>
 
-<file path=ppt/notesSlides/notesSlide12.xml><?xml version="1.0" encoding="utf-8"?>
-<p:notes xmlns:a="http://schemas.openxmlformats.org/drawingml/2006/main" xmlns:r="http://schemas.openxmlformats.org/officeDocument/2006/relationships" xmlns:p="http://schemas.openxmlformats.org/presentationml/2006/main">
-  <p:cSld>
-    <p:spTree>
-      <p:nvGrpSpPr>
-        <p:cNvPr id="1" name=""/>
-        <p:cNvGrpSpPr/>
-        <p:nvPr/>
-      </p:nvGrpSpPr>
-      <p:grpSpPr>
-        <a:xfrm>
-          <a:off x="0" y="0"/>
-          <a:ext cx="0" cy="0"/>
-          <a:chOff x="0" y="0"/>
-          <a:chExt cx="0" cy="0"/>
-        </a:xfrm>
-      </p:grpSpPr>
-      <p:sp>
-        <p:nvSpPr>
-          <p:cNvPr id="2" name="Slide Image Placeholder 1"/>
-          <p:cNvSpPr>
-            <a:spLocks noGrp="1" noRot="1" noChangeAspect="1"/>
-          </p:cNvSpPr>
-          <p:nvPr>
-            <p:ph type="sldImg"/>
-          </p:nvPr>
-        </p:nvSpPr>
-        <p:spPr/>
-      </p:sp>
-      <p:sp>
-        <p:nvSpPr>
-          <p:cNvPr id="3" name="Notes Placeholder 2"/>
-          <p:cNvSpPr>
-            <a:spLocks noGrp="1"/>
-          </p:cNvSpPr>
-          <p:nvPr>
-            <p:ph type="body" idx="1"/>
-          </p:nvPr>
-        </p:nvSpPr>
-        <p:spPr/>
-        <p:txBody>
-          <a:bodyPr/>
-          <a:lstStyle/>
-          <a:p>
-            <a:pPr marL="171450" marR="0" indent="-171450" algn="l" defTabSz="914400" rtl="0" eaLnBrk="0" fontAlgn="base" latinLnBrk="0" hangingPunct="0">
-              <a:lnSpc>
-                <a:spcPct val="100000"/>
-              </a:lnSpc>
-              <a:spcBef>
-                <a:spcPct val="30000"/>
-              </a:spcBef>
-              <a:spcAft>
-                <a:spcPct val="0"/>
-              </a:spcAft>
-              <a:buClrTx/>
-              <a:buSzTx/>
-              <a:buFont typeface="Arial" charset="0"/>
-              <a:buChar char="•"/>
-              <a:tabLst/>
-              <a:defRPr/>
-            </a:pPr>
-            <a:endParaRPr lang="en-NZ" sz="1200" b="0" i="0" kern="1200" dirty="0" smtClean="0">
-              <a:solidFill>
-                <a:schemeClr val="tx1"/>
-              </a:solidFill>
-              <a:effectLst/>
-              <a:latin typeface="+mn-lt"/>
-              <a:ea typeface="+mn-ea"/>
-              <a:cs typeface="+mn-cs"/>
-            </a:endParaRPr>
-          </a:p>
-        </p:txBody>
-      </p:sp>
-      <p:sp>
-        <p:nvSpPr>
-          <p:cNvPr id="4" name="Slide Number Placeholder 3"/>
-          <p:cNvSpPr>
-            <a:spLocks noGrp="1"/>
-          </p:cNvSpPr>
-          <p:nvPr>
-            <p:ph type="sldNum" sz="quarter" idx="10"/>
-          </p:nvPr>
-        </p:nvSpPr>
-        <p:spPr/>
-        <p:txBody>
-          <a:bodyPr/>
-          <a:lstStyle/>
-          <a:p>
-            <a:fld id="{5C949890-84D1-B346-997E-B43A2CF20212}" type="slidenum">
-              <a:rPr lang="en-US" smtClean="0"/>
-              <a:t>12</a:t>
-            </a:fld>
-            <a:endParaRPr lang="en-US"/>
-          </a:p>
-        </p:txBody>
-      </p:sp>
-    </p:spTree>
-    <p:extLst>
-      <p:ext uri="{BB962C8B-B14F-4D97-AF65-F5344CB8AC3E}">
-        <p14:creationId xmlns:p14="http://schemas.microsoft.com/office/powerpoint/2010/main" val="1518676926"/>
-      </p:ext>
-    </p:extLst>
-  </p:cSld>
-  <p:clrMapOvr>
-    <a:masterClrMapping/>
-  </p:clrMapOvr>
-</p:notes>
-</file>
-
 <file path=ppt/notesSlides/notesSlide2.xml><?xml version="1.0" encoding="utf-8"?>
 <p:notes xmlns:a="http://schemas.openxmlformats.org/drawingml/2006/main" xmlns:r="http://schemas.openxmlformats.org/officeDocument/2006/relationships" xmlns:p="http://schemas.openxmlformats.org/presentationml/2006/main">
   <p:cSld>
@@ -2337,7 +2227,7 @@
           <a:p>
             <a:fld id="{BD4CA122-8521-6D44-9B67-558DC60F8753}" type="datetimeFigureOut">
               <a:rPr lang="en-US" smtClean="0"/>
-              <a:t>5/17/19</a:t>
+              <a:t>10/22/2019</a:t>
             </a:fld>
             <a:endParaRPr lang="en-US"/>
           </a:p>
@@ -2507,7 +2397,7 @@
           <a:p>
             <a:fld id="{BD4CA122-8521-6D44-9B67-558DC60F8753}" type="datetimeFigureOut">
               <a:rPr lang="en-US" smtClean="0"/>
-              <a:t>5/17/19</a:t>
+              <a:t>10/22/2019</a:t>
             </a:fld>
             <a:endParaRPr lang="en-US"/>
           </a:p>
@@ -2687,7 +2577,7 @@
           <a:p>
             <a:fld id="{BD4CA122-8521-6D44-9B67-558DC60F8753}" type="datetimeFigureOut">
               <a:rPr lang="en-US" smtClean="0"/>
-              <a:t>5/17/19</a:t>
+              <a:t>10/22/2019</a:t>
             </a:fld>
             <a:endParaRPr lang="en-US"/>
           </a:p>
@@ -2857,7 +2747,7 @@
           <a:p>
             <a:fld id="{BD4CA122-8521-6D44-9B67-558DC60F8753}" type="datetimeFigureOut">
               <a:rPr lang="en-US" smtClean="0"/>
-              <a:t>5/17/19</a:t>
+              <a:t>10/22/2019</a:t>
             </a:fld>
             <a:endParaRPr lang="en-US"/>
           </a:p>
@@ -3103,7 +2993,7 @@
           <a:p>
             <a:fld id="{BD4CA122-8521-6D44-9B67-558DC60F8753}" type="datetimeFigureOut">
               <a:rPr lang="en-US" smtClean="0"/>
-              <a:t>5/17/19</a:t>
+              <a:t>10/22/2019</a:t>
             </a:fld>
             <a:endParaRPr lang="en-US"/>
           </a:p>
@@ -3335,7 +3225,7 @@
           <a:p>
             <a:fld id="{BD4CA122-8521-6D44-9B67-558DC60F8753}" type="datetimeFigureOut">
               <a:rPr lang="en-US" smtClean="0"/>
-              <a:t>5/17/19</a:t>
+              <a:t>10/22/2019</a:t>
             </a:fld>
             <a:endParaRPr lang="en-US"/>
           </a:p>
@@ -3702,7 +3592,7 @@
           <a:p>
             <a:fld id="{BD4CA122-8521-6D44-9B67-558DC60F8753}" type="datetimeFigureOut">
               <a:rPr lang="en-US" smtClean="0"/>
-              <a:t>5/17/19</a:t>
+              <a:t>10/22/2019</a:t>
             </a:fld>
             <a:endParaRPr lang="en-US"/>
           </a:p>
@@ -3820,7 +3710,7 @@
           <a:p>
             <a:fld id="{BD4CA122-8521-6D44-9B67-558DC60F8753}" type="datetimeFigureOut">
               <a:rPr lang="en-US" smtClean="0"/>
-              <a:t>5/17/19</a:t>
+              <a:t>10/22/2019</a:t>
             </a:fld>
             <a:endParaRPr lang="en-US"/>
           </a:p>
@@ -3915,7 +3805,7 @@
           <a:p>
             <a:fld id="{BD4CA122-8521-6D44-9B67-558DC60F8753}" type="datetimeFigureOut">
               <a:rPr lang="en-US" smtClean="0"/>
-              <a:t>5/17/19</a:t>
+              <a:t>10/22/2019</a:t>
             </a:fld>
             <a:endParaRPr lang="en-US"/>
           </a:p>
@@ -4192,7 +4082,7 @@
           <a:p>
             <a:fld id="{BD4CA122-8521-6D44-9B67-558DC60F8753}" type="datetimeFigureOut">
               <a:rPr lang="en-US" smtClean="0"/>
-              <a:t>5/17/19</a:t>
+              <a:t>10/22/2019</a:t>
             </a:fld>
             <a:endParaRPr lang="en-US"/>
           </a:p>
@@ -4445,7 +4335,7 @@
           <a:p>
             <a:fld id="{BD4CA122-8521-6D44-9B67-558DC60F8753}" type="datetimeFigureOut">
               <a:rPr lang="en-US" smtClean="0"/>
-              <a:t>5/17/19</a:t>
+              <a:t>10/22/2019</a:t>
             </a:fld>
             <a:endParaRPr lang="en-US"/>
           </a:p>
@@ -4658,7 +4548,7 @@
           <a:p>
             <a:fld id="{BD4CA122-8521-6D44-9B67-558DC60F8753}" type="datetimeFigureOut">
               <a:rPr lang="en-US" smtClean="0"/>
-              <a:t>5/17/19</a:t>
+              <a:t>10/22/2019</a:t>
             </a:fld>
             <a:endParaRPr lang="en-US"/>
           </a:p>
@@ -5128,7 +5018,6 @@
               <a:rPr lang="en-US" sz="3800" b="1" dirty="0" smtClean="0"/>
               <a:t>More Python</a:t>
             </a:r>
-            <a:endParaRPr lang="en-US" sz="3800" b="1" dirty="0" smtClean="0"/>
           </a:p>
           <a:p>
             <a:pPr algn="ctr"/>
@@ -5142,7 +5031,11 @@
             </a:r>
             <a:r>
               <a:rPr lang="en-US" sz="3800" b="1" dirty="0"/>
-              <a:t>1, </a:t>
+              <a:t>2</a:t>
+            </a:r>
+            <a:r>
+              <a:rPr lang="en-US" sz="3800" b="1" dirty="0" smtClean="0"/>
+              <a:t>, </a:t>
             </a:r>
             <a:r>
               <a:rPr lang="en-US" sz="3800" b="1" dirty="0" smtClean="0"/>
@@ -5512,133 +5405,6 @@
 </p:sld>
 </file>
 
-<file path=ppt/slides/slide12.xml><?xml version="1.0" encoding="utf-8"?>
-<p:sld xmlns:a="http://schemas.openxmlformats.org/drawingml/2006/main" xmlns:r="http://schemas.openxmlformats.org/officeDocument/2006/relationships" xmlns:p="http://schemas.openxmlformats.org/presentationml/2006/main">
-  <p:cSld>
-    <p:bg>
-      <p:bgPr>
-        <a:solidFill>
-          <a:schemeClr val="accent5">
-            <a:lumMod val="60000"/>
-            <a:lumOff val="40000"/>
-          </a:schemeClr>
-        </a:solidFill>
-        <a:effectLst/>
-      </p:bgPr>
-    </p:bg>
-    <p:spTree>
-      <p:nvGrpSpPr>
-        <p:cNvPr id="1" name=""/>
-        <p:cNvGrpSpPr/>
-        <p:nvPr/>
-      </p:nvGrpSpPr>
-      <p:grpSpPr>
-        <a:xfrm>
-          <a:off x="0" y="0"/>
-          <a:ext cx="0" cy="0"/>
-          <a:chOff x="0" y="0"/>
-          <a:chExt cx="0" cy="0"/>
-        </a:xfrm>
-      </p:grpSpPr>
-      <p:sp>
-        <p:nvSpPr>
-          <p:cNvPr id="9" name="Slide Number Placeholder 8"/>
-          <p:cNvSpPr>
-            <a:spLocks noGrp="1"/>
-          </p:cNvSpPr>
-          <p:nvPr>
-            <p:ph type="sldNum" sz="quarter" idx="12"/>
-          </p:nvPr>
-        </p:nvSpPr>
-        <p:spPr/>
-        <p:txBody>
-          <a:bodyPr/>
-          <a:lstStyle/>
-          <a:p>
-            <a:fld id="{B822FDE6-25CA-0444-94EE-C6FC8C5EFEB8}" type="slidenum">
-              <a:rPr lang="en-US" smtClean="0"/>
-              <a:t>12</a:t>
-            </a:fld>
-            <a:endParaRPr lang="en-US"/>
-          </a:p>
-        </p:txBody>
-      </p:sp>
-      <p:sp>
-        <p:nvSpPr>
-          <p:cNvPr id="5" name="Rectangle 4"/>
-          <p:cNvSpPr/>
-          <p:nvPr/>
-        </p:nvSpPr>
-        <p:spPr>
-          <a:xfrm>
-            <a:off x="0" y="1299607"/>
-            <a:ext cx="12192000" cy="2031325"/>
-          </a:xfrm>
-          <a:prstGeom prst="rect">
-            <a:avLst/>
-          </a:prstGeom>
-          <a:noFill/>
-        </p:spPr>
-        <p:txBody>
-          <a:bodyPr wrap="square" lIns="91440" tIns="45720" rIns="91440" bIns="45720">
-            <a:spAutoFit/>
-          </a:bodyPr>
-          <a:lstStyle/>
-          <a:p>
-            <a:r>
-              <a:rPr lang="en-US" sz="3800" dirty="0" smtClean="0"/>
-              <a:t>	</a:t>
-            </a:r>
-            <a:r>
-              <a:rPr lang="en-US" sz="3800" b="1" dirty="0" smtClean="0"/>
-              <a:t>Ruby assignment</a:t>
-            </a:r>
-          </a:p>
-          <a:p>
-            <a:endParaRPr lang="en-US" sz="3800" b="1" dirty="0"/>
-          </a:p>
-          <a:p>
-            <a:pPr marL="1485900" lvl="2" indent="-571500">
-              <a:buFont typeface="Arial" charset="0"/>
-              <a:buChar char="•"/>
-            </a:pPr>
-            <a:r>
-              <a:rPr lang="en-AU" sz="2500" dirty="0" smtClean="0"/>
-              <a:t>Due on the last day of the semester (21/06/2019)</a:t>
-            </a:r>
-          </a:p>
-          <a:p>
-            <a:pPr marL="1485900" lvl="2" indent="-571500">
-              <a:buFont typeface="Arial" charset="0"/>
-              <a:buChar char="•"/>
-            </a:pPr>
-            <a:r>
-              <a:rPr lang="en-AU" sz="2500" dirty="0" smtClean="0"/>
-              <a:t>As promised, I will run through an example</a:t>
-            </a:r>
-          </a:p>
-        </p:txBody>
-      </p:sp>
-    </p:spTree>
-    <p:extLst>
-      <p:ext uri="{BB962C8B-B14F-4D97-AF65-F5344CB8AC3E}">
-        <p14:creationId xmlns:p14="http://schemas.microsoft.com/office/powerpoint/2010/main" val="280424692"/>
-      </p:ext>
-    </p:extLst>
-  </p:cSld>
-  <p:clrMapOvr>
-    <a:masterClrMapping/>
-  </p:clrMapOvr>
-  <p:timing>
-    <p:tnLst>
-      <p:par>
-        <p:cTn id="1" dur="indefinite" restart="never" nodeType="tmRoot"/>
-      </p:par>
-    </p:tnLst>
-  </p:timing>
-</p:sld>
-</file>
-
 <file path=ppt/slides/slide2.xml><?xml version="1.0" encoding="utf-8"?>
 <p:sld xmlns:a="http://schemas.openxmlformats.org/drawingml/2006/main" xmlns:r="http://schemas.openxmlformats.org/officeDocument/2006/relationships" xmlns:p="http://schemas.openxmlformats.org/presentationml/2006/main">
   <p:cSld>
@@ -5697,7 +5463,6 @@
               <a:rPr lang="en-US" sz="3800" b="1" dirty="0" smtClean="0"/>
               <a:t>Sequences</a:t>
             </a:r>
-            <a:endParaRPr lang="en-US" sz="3800" b="1" dirty="0" smtClean="0"/>
           </a:p>
           <a:p>
             <a:endParaRPr lang="en-US" sz="3800" b="1" dirty="0"/>
@@ -5900,7 +5665,6 @@
               <a:rPr lang="en-US" sz="3800" b="1" dirty="0" smtClean="0"/>
               <a:t>Slicing</a:t>
             </a:r>
-            <a:endParaRPr lang="en-US" sz="3800" b="1" dirty="0" smtClean="0"/>
           </a:p>
           <a:p>
             <a:endParaRPr lang="en-US" sz="3800" b="1" dirty="0"/>
@@ -6148,7 +5912,6 @@
               <a:rPr lang="en-US" sz="3800" b="1" dirty="0" smtClean="0"/>
               <a:t>Omitting an index</a:t>
             </a:r>
-            <a:endParaRPr lang="en-US" sz="3800" b="1" dirty="0" smtClean="0"/>
           </a:p>
           <a:p>
             <a:endParaRPr lang="en-US" sz="3800" b="1" dirty="0"/>
@@ -6333,7 +6096,6 @@
               <a:rPr lang="en-US" sz="3800" b="1" dirty="0" smtClean="0"/>
               <a:t>Step</a:t>
             </a:r>
-            <a:endParaRPr lang="en-US" sz="3800" b="1" dirty="0" smtClean="0"/>
           </a:p>
           <a:p>
             <a:endParaRPr lang="en-US" sz="3800" b="1" dirty="0"/>
@@ -6569,7 +6331,6 @@
               <a:rPr lang="en-US" sz="3800" b="1" dirty="0" smtClean="0"/>
               <a:t>Sequence types</a:t>
             </a:r>
-            <a:endParaRPr lang="en-US" sz="3800" b="1" dirty="0" smtClean="0"/>
           </a:p>
           <a:p>
             <a:endParaRPr lang="en-US" sz="3800" b="1" dirty="0"/>
@@ -6791,7 +6552,6 @@
               <a:rPr lang="en-US" sz="3800" b="1" dirty="0" smtClean="0"/>
               <a:t>Lists</a:t>
             </a:r>
-            <a:endParaRPr lang="en-US" sz="3800" b="1" dirty="0" smtClean="0"/>
           </a:p>
           <a:p>
             <a:endParaRPr lang="en-US" sz="3800" b="1" dirty="0"/>
@@ -7062,7 +6822,6 @@
               <a:rPr lang="en-US" sz="3800" b="1" dirty="0" smtClean="0"/>
               <a:t>Tuples</a:t>
             </a:r>
-            <a:endParaRPr lang="en-US" sz="3800" b="1" dirty="0" smtClean="0"/>
           </a:p>
           <a:p>
             <a:endParaRPr lang="en-US" sz="3800" b="1" dirty="0"/>

--- a/Programming 4/11.2 Intro to Python/More Python.pptx
+++ b/Programming 4/11.2 Intro to Python/More Python.pptx
@@ -218,7 +218,7 @@
           <a:p>
             <a:fld id="{5C15C721-1CBE-9B49-BE99-3A9DF18FA391}" type="datetimeFigureOut">
               <a:rPr lang="en-US" smtClean="0"/>
-              <a:t>10/22/2019</a:t>
+              <a:t>11/21/19</a:t>
             </a:fld>
             <a:endParaRPr lang="en-US"/>
           </a:p>
@@ -2227,7 +2227,7 @@
           <a:p>
             <a:fld id="{BD4CA122-8521-6D44-9B67-558DC60F8753}" type="datetimeFigureOut">
               <a:rPr lang="en-US" smtClean="0"/>
-              <a:t>10/22/2019</a:t>
+              <a:t>11/21/19</a:t>
             </a:fld>
             <a:endParaRPr lang="en-US"/>
           </a:p>
@@ -2397,7 +2397,7 @@
           <a:p>
             <a:fld id="{BD4CA122-8521-6D44-9B67-558DC60F8753}" type="datetimeFigureOut">
               <a:rPr lang="en-US" smtClean="0"/>
-              <a:t>10/22/2019</a:t>
+              <a:t>11/21/19</a:t>
             </a:fld>
             <a:endParaRPr lang="en-US"/>
           </a:p>
@@ -2577,7 +2577,7 @@
           <a:p>
             <a:fld id="{BD4CA122-8521-6D44-9B67-558DC60F8753}" type="datetimeFigureOut">
               <a:rPr lang="en-US" smtClean="0"/>
-              <a:t>10/22/2019</a:t>
+              <a:t>11/21/19</a:t>
             </a:fld>
             <a:endParaRPr lang="en-US"/>
           </a:p>
@@ -2747,7 +2747,7 @@
           <a:p>
             <a:fld id="{BD4CA122-8521-6D44-9B67-558DC60F8753}" type="datetimeFigureOut">
               <a:rPr lang="en-US" smtClean="0"/>
-              <a:t>10/22/2019</a:t>
+              <a:t>11/21/19</a:t>
             </a:fld>
             <a:endParaRPr lang="en-US"/>
           </a:p>
@@ -2993,7 +2993,7 @@
           <a:p>
             <a:fld id="{BD4CA122-8521-6D44-9B67-558DC60F8753}" type="datetimeFigureOut">
               <a:rPr lang="en-US" smtClean="0"/>
-              <a:t>10/22/2019</a:t>
+              <a:t>11/21/19</a:t>
             </a:fld>
             <a:endParaRPr lang="en-US"/>
           </a:p>
@@ -3225,7 +3225,7 @@
           <a:p>
             <a:fld id="{BD4CA122-8521-6D44-9B67-558DC60F8753}" type="datetimeFigureOut">
               <a:rPr lang="en-US" smtClean="0"/>
-              <a:t>10/22/2019</a:t>
+              <a:t>11/21/19</a:t>
             </a:fld>
             <a:endParaRPr lang="en-US"/>
           </a:p>
@@ -3592,7 +3592,7 @@
           <a:p>
             <a:fld id="{BD4CA122-8521-6D44-9B67-558DC60F8753}" type="datetimeFigureOut">
               <a:rPr lang="en-US" smtClean="0"/>
-              <a:t>10/22/2019</a:t>
+              <a:t>11/21/19</a:t>
             </a:fld>
             <a:endParaRPr lang="en-US"/>
           </a:p>
@@ -3710,7 +3710,7 @@
           <a:p>
             <a:fld id="{BD4CA122-8521-6D44-9B67-558DC60F8753}" type="datetimeFigureOut">
               <a:rPr lang="en-US" smtClean="0"/>
-              <a:t>10/22/2019</a:t>
+              <a:t>11/21/19</a:t>
             </a:fld>
             <a:endParaRPr lang="en-US"/>
           </a:p>
@@ -3805,7 +3805,7 @@
           <a:p>
             <a:fld id="{BD4CA122-8521-6D44-9B67-558DC60F8753}" type="datetimeFigureOut">
               <a:rPr lang="en-US" smtClean="0"/>
-              <a:t>10/22/2019</a:t>
+              <a:t>11/21/19</a:t>
             </a:fld>
             <a:endParaRPr lang="en-US"/>
           </a:p>
@@ -4082,7 +4082,7 @@
           <a:p>
             <a:fld id="{BD4CA122-8521-6D44-9B67-558DC60F8753}" type="datetimeFigureOut">
               <a:rPr lang="en-US" smtClean="0"/>
-              <a:t>10/22/2019</a:t>
+              <a:t>11/21/19</a:t>
             </a:fld>
             <a:endParaRPr lang="en-US"/>
           </a:p>
@@ -4335,7 +4335,7 @@
           <a:p>
             <a:fld id="{BD4CA122-8521-6D44-9B67-558DC60F8753}" type="datetimeFigureOut">
               <a:rPr lang="en-US" smtClean="0"/>
-              <a:t>10/22/2019</a:t>
+              <a:t>11/21/19</a:t>
             </a:fld>
             <a:endParaRPr lang="en-US"/>
           </a:p>
@@ -4548,7 +4548,7 @@
           <a:p>
             <a:fld id="{BD4CA122-8521-6D44-9B67-558DC60F8753}" type="datetimeFigureOut">
               <a:rPr lang="en-US" smtClean="0"/>
-              <a:t>10/22/2019</a:t>
+              <a:t>11/21/19</a:t>
             </a:fld>
             <a:endParaRPr lang="en-US"/>
           </a:p>
@@ -5035,11 +5035,7 @@
             </a:r>
             <a:r>
               <a:rPr lang="en-US" sz="3800" b="1" dirty="0" smtClean="0"/>
-              <a:t>, </a:t>
-            </a:r>
-            <a:r>
-              <a:rPr lang="en-US" sz="3800" b="1" dirty="0" smtClean="0"/>
-              <a:t>2019</a:t>
+              <a:t>, 2019</a:t>
             </a:r>
             <a:endParaRPr lang="en-US" sz="3800" b="1" dirty="0"/>
           </a:p>
@@ -5235,8 +5231,13 @@
             </a:pPr>
             <a:r>
               <a:rPr lang="en-AU" sz="2500" dirty="0" smtClean="0"/>
-              <a:t>If created inside of the class, they are local</a:t>
-            </a:r>
+              <a:t>If created inside of the class, they are </a:t>
+            </a:r>
+            <a:r>
+              <a:rPr lang="en-AU" sz="2500" dirty="0" smtClean="0"/>
+              <a:t>global</a:t>
+            </a:r>
+            <a:endParaRPr lang="en-AU" sz="2500" dirty="0" smtClean="0"/>
           </a:p>
           <a:p>
             <a:pPr marL="1943100" lvl="3" indent="-571500">
@@ -5245,8 +5246,17 @@
             </a:pPr>
             <a:r>
               <a:rPr lang="en-AU" sz="2500" dirty="0" smtClean="0"/>
-              <a:t>If created inside of the method, they are prefixed with self</a:t>
-            </a:r>
+              <a:t>If created inside of the method, they are prefixed </a:t>
+            </a:r>
+            <a:r>
+              <a:rPr lang="en-AU" sz="2500" smtClean="0"/>
+              <a:t>with </a:t>
+            </a:r>
+            <a:r>
+              <a:rPr lang="en-AU" sz="2500" smtClean="0"/>
+              <a:t>self and local</a:t>
+            </a:r>
+            <a:endParaRPr lang="en-AU" sz="2500" dirty="0" smtClean="0"/>
           </a:p>
         </p:txBody>
       </p:sp>
